--- a/Pictures/Band Website.pptx
+++ b/Pictures/Band Website.pptx
@@ -3117,8 +3117,8 @@
         </p:blipFill>
         <p:spPr>
           <a:xfrm>
-            <a:off x="0" y="1"/>
-            <a:ext cx="1388869" cy="1600437"/>
+            <a:off x="0" y="2"/>
+            <a:ext cx="2698833" cy="3109950"/>
           </a:xfrm>
           <a:prstGeom prst="rect">
             <a:avLst/>
@@ -3133,7 +3133,7 @@
         </p:nvSpPr>
         <p:spPr>
           <a:xfrm>
-            <a:off x="1388869" y="1"/>
+            <a:off x="2698833" y="761264"/>
             <a:ext cx="4654688" cy="1600438"/>
           </a:xfrm>
           <a:prstGeom prst="rect">
@@ -3168,6 +3168,65 @@
               <a:latin typeface="Arial"/>
               <a:cs typeface="Arial"/>
             </a:endParaRPr>
+          </a:p>
+        </p:txBody>
+      </p:sp>
+      <p:sp>
+        <p:nvSpPr>
+          <p:cNvPr id="8" name="Rectangle 7"/>
+          <p:cNvSpPr/>
+          <p:nvPr/>
+        </p:nvSpPr>
+        <p:spPr>
+          <a:xfrm>
+            <a:off x="-1837021" y="442269"/>
+            <a:ext cx="12995224" cy="6415731"/>
+          </a:xfrm>
+          <a:prstGeom prst="rect">
+            <a:avLst/>
+          </a:prstGeom>
+          <a:gradFill flip="none" rotWithShape="1">
+            <a:gsLst>
+              <a:gs pos="0">
+                <a:srgbClr val="FAFAFA"/>
+              </a:gs>
+              <a:gs pos="100000">
+                <a:schemeClr val="tx2">
+                  <a:lumMod val="60000"/>
+                  <a:lumOff val="40000"/>
+                </a:schemeClr>
+              </a:gs>
+            </a:gsLst>
+            <a:path path="circle">
+              <a:fillToRect l="50000" t="50000" r="50000" b="50000"/>
+            </a:path>
+            <a:tileRect/>
+          </a:gradFill>
+          <a:ln>
+            <a:noFill/>
+          </a:ln>
+          <a:effectLst/>
+        </p:spPr>
+        <p:style>
+          <a:lnRef idx="1">
+            <a:schemeClr val="accent1"/>
+          </a:lnRef>
+          <a:fillRef idx="3">
+            <a:schemeClr val="accent1"/>
+          </a:fillRef>
+          <a:effectRef idx="2">
+            <a:schemeClr val="accent1"/>
+          </a:effectRef>
+          <a:fontRef idx="minor">
+            <a:schemeClr val="lt1"/>
+          </a:fontRef>
+        </p:style>
+        <p:txBody>
+          <a:bodyPr rtlCol="0" anchor="ctr"/>
+          <a:lstStyle/>
+          <a:p>
+            <a:pPr algn="ctr"/>
+            <a:endParaRPr lang="en-US"/>
           </a:p>
         </p:txBody>
       </p:sp>

--- a/Pictures/Band Website.pptx
+++ b/Pictures/Band Website.pptx
@@ -3171,65 +3171,71 @@
           </a:p>
         </p:txBody>
       </p:sp>
-      <p:sp>
-        <p:nvSpPr>
-          <p:cNvPr id="8" name="Rectangle 7"/>
-          <p:cNvSpPr/>
+      <p:pic>
+        <p:nvPicPr>
+          <p:cNvPr id="9" name="Picture 8" descr="Chevron Logo.jpg"/>
+          <p:cNvPicPr>
+            <a:picLocks noChangeAspect="1"/>
+          </p:cNvPicPr>
           <p:nvPr/>
-        </p:nvSpPr>
+        </p:nvPicPr>
+        <p:blipFill rotWithShape="1">
+          <a:blip r:embed="rId3">
+            <a:extLst>
+              <a:ext uri="{BEBA8EAE-BF5A-486C-A8C5-ECC9F3942E4B}">
+                <a14:imgProps xmlns:a14="http://schemas.microsoft.com/office/drawing/2010/main">
+                  <a14:imgLayer r:embed="rId4">
+                    <a14:imgEffect>
+                      <a14:backgroundRemoval t="1699" b="90870" l="12048" r="93670">
+                        <a14:foregroundMark x1="36260" y1="45593" x2="36260" y2="45593"/>
+                        <a14:foregroundMark x1="58372" y1="42483" x2="58372" y2="42483"/>
+                        <a14:foregroundMark x1="76488" y1="43289" x2="29230" y2="42483"/>
+                        <a14:foregroundMark x1="24912" y1="31740" x2="40461" y2="52189"/>
+                        <a14:foregroundMark x1="16249" y1="37039" x2="40228" y2="35887"/>
+                        <a14:foregroundMark x1="82001" y1="31048" x2="71587" y2="49510"/>
+                        <a14:foregroundMark x1="27596" y1="5300" x2="28063" y2="14401"/>
+                        <a14:foregroundMark x1="21062" y1="4147" x2="16599" y2="5991"/>
+                        <a14:foregroundMark x1="40344" y1="11982" x2="47608" y2="12212"/>
+                        <a14:foregroundMark x1="51342" y1="9217" x2="54142" y2="15553"/>
+                        <a14:foregroundMark x1="63623" y1="8065" x2="63273" y2="15207"/>
+                        <a14:foregroundMark x1="71937" y1="9332" x2="71587" y2="13364"/>
+                        <a14:foregroundMark x1="83635" y1="10714" x2="83751" y2="14055"/>
+                        <a14:foregroundMark x1="26779" y1="66503" x2="55193" y2="79781"/>
+                        <a14:foregroundMark x1="83401" y1="61982" x2="47958" y2="78168"/>
+                        <a14:foregroundMark x1="90753" y1="15092" x2="90753" y2="15092"/>
+                        <a14:foregroundMark x1="83985" y1="16388" x2="83985" y2="16388"/>
+                        <a14:foregroundMark x1="83051" y1="74914" x2="69603" y2="64545"/>
+                        <a14:foregroundMark x1="58372" y1="8525" x2="56855" y2="14977"/>
+                        <a14:foregroundMark x1="51109" y1="7604" x2="51109" y2="7604"/>
+                        <a14:foregroundMark x1="89586" y1="7949" x2="90519" y2="14171"/>
+                        <a14:foregroundMark x1="82935" y1="7834" x2="82935" y2="7834"/>
+                        <a14:foregroundMark x1="24650" y1="58180" x2="18553" y2="73560"/>
+                        <a14:backgroundMark x1="43495" y1="9677" x2="43495" y2="9677"/>
+                        <a14:backgroundMark x1="54784" y1="14026" x2="54784" y2="14026"/>
+                        <a14:backgroundMark x1="64732" y1="8410" x2="64732" y2="8410"/>
+                      </a14:backgroundRemoval>
+                    </a14:imgEffect>
+                  </a14:imgLayer>
+                </a14:imgProps>
+              </a:ext>
+              <a:ext uri="{28A0092B-C50C-407E-A947-70E740481C1C}">
+                <a14:useLocalDpi xmlns:a14="http://schemas.microsoft.com/office/drawing/2010/main" val="0"/>
+              </a:ext>
+            </a:extLst>
+          </a:blip>
+          <a:srcRect l="12964" t="2197" r="7407" b="9856"/>
+          <a:stretch/>
+        </p:blipFill>
         <p:spPr>
           <a:xfrm>
-            <a:off x="-1837021" y="442269"/>
-            <a:ext cx="12995224" cy="6415731"/>
+            <a:off x="6180101" y="3305174"/>
+            <a:ext cx="3900837" cy="4363547"/>
           </a:xfrm>
           <a:prstGeom prst="rect">
             <a:avLst/>
           </a:prstGeom>
-          <a:gradFill flip="none" rotWithShape="1">
-            <a:gsLst>
-              <a:gs pos="0">
-                <a:srgbClr val="FAFAFA"/>
-              </a:gs>
-              <a:gs pos="100000">
-                <a:schemeClr val="tx2">
-                  <a:lumMod val="60000"/>
-                  <a:lumOff val="40000"/>
-                </a:schemeClr>
-              </a:gs>
-            </a:gsLst>
-            <a:path path="circle">
-              <a:fillToRect l="50000" t="50000" r="50000" b="50000"/>
-            </a:path>
-            <a:tileRect/>
-          </a:gradFill>
-          <a:ln>
-            <a:noFill/>
-          </a:ln>
-          <a:effectLst/>
         </p:spPr>
-        <p:style>
-          <a:lnRef idx="1">
-            <a:schemeClr val="accent1"/>
-          </a:lnRef>
-          <a:fillRef idx="3">
-            <a:schemeClr val="accent1"/>
-          </a:fillRef>
-          <a:effectRef idx="2">
-            <a:schemeClr val="accent1"/>
-          </a:effectRef>
-          <a:fontRef idx="minor">
-            <a:schemeClr val="lt1"/>
-          </a:fontRef>
-        </p:style>
-        <p:txBody>
-          <a:bodyPr rtlCol="0" anchor="ctr"/>
-          <a:lstStyle/>
-          <a:p>
-            <a:pPr algn="ctr"/>
-            <a:endParaRPr lang="en-US"/>
-          </a:p>
-        </p:txBody>
-      </p:sp>
+      </p:pic>
     </p:spTree>
     <p:extLst>
       <p:ext uri="{BB962C8B-B14F-4D97-AF65-F5344CB8AC3E}">

--- a/Pictures/Band Website.pptx
+++ b/Pictures/Band Website.pptx
@@ -6,6 +6,7 @@
   </p:sldMasterIdLst>
   <p:sldIdLst>
     <p:sldId id="256" r:id="rId2"/>
+    <p:sldId id="258" r:id="rId3"/>
   </p:sldIdLst>
   <p:sldSz cx="9144000" cy="6858000" type="screen4x3"/>
   <p:notesSz cx="6858000" cy="9144000"/>
@@ -3236,10 +3237,123 @@
           </a:prstGeom>
         </p:spPr>
       </p:pic>
+      <p:pic>
+        <p:nvPicPr>
+          <p:cNvPr id="10" name="Picture 9" descr="Band Icon.png"/>
+          <p:cNvPicPr>
+            <a:picLocks noChangeAspect="1"/>
+          </p:cNvPicPr>
+          <p:nvPr/>
+        </p:nvPicPr>
+        <p:blipFill>
+          <a:blip r:embed="rId2">
+            <a:extLst>
+              <a:ext uri="{28A0092B-C50C-407E-A947-70E740481C1C}">
+                <a14:useLocalDpi xmlns:a14="http://schemas.microsoft.com/office/drawing/2010/main" val="0"/>
+              </a:ext>
+            </a:extLst>
+          </a:blip>
+          <a:stretch>
+            <a:fillRect/>
+          </a:stretch>
+        </p:blipFill>
+        <p:spPr>
+          <a:xfrm>
+            <a:off x="487604" y="3315049"/>
+            <a:ext cx="3074594" cy="3542951"/>
+          </a:xfrm>
+          <a:prstGeom prst="rect">
+            <a:avLst/>
+          </a:prstGeom>
+        </p:spPr>
+      </p:pic>
+      <p:sp>
+        <p:nvSpPr>
+          <p:cNvPr id="11" name="Rectangle 10"/>
+          <p:cNvSpPr/>
+          <p:nvPr/>
+        </p:nvSpPr>
+        <p:spPr>
+          <a:xfrm>
+            <a:off x="249472" y="3305174"/>
+            <a:ext cx="3542951" cy="3542951"/>
+          </a:xfrm>
+          <a:prstGeom prst="rect">
+            <a:avLst/>
+          </a:prstGeom>
+          <a:noFill/>
+          <a:ln>
+            <a:noFill/>
+          </a:ln>
+          <a:effectLst/>
+        </p:spPr>
+        <p:style>
+          <a:lnRef idx="1">
+            <a:schemeClr val="accent1"/>
+          </a:lnRef>
+          <a:fillRef idx="3">
+            <a:schemeClr val="accent1"/>
+          </a:fillRef>
+          <a:effectRef idx="2">
+            <a:schemeClr val="accent1"/>
+          </a:effectRef>
+          <a:fontRef idx="minor">
+            <a:schemeClr val="lt1"/>
+          </a:fontRef>
+        </p:style>
+        <p:txBody>
+          <a:bodyPr rtlCol="0" anchor="ctr"/>
+          <a:lstStyle/>
+          <a:p>
+            <a:pPr algn="ctr"/>
+            <a:endParaRPr lang="en-US"/>
+          </a:p>
+        </p:txBody>
+      </p:sp>
     </p:spTree>
     <p:extLst>
       <p:ext uri="{BB962C8B-B14F-4D97-AF65-F5344CB8AC3E}">
         <p14:creationId xmlns:p14="http://schemas.microsoft.com/office/powerpoint/2010/main" val="260436096"/>
+      </p:ext>
+    </p:extLst>
+  </p:cSld>
+  <p:clrMapOvr>
+    <a:masterClrMapping/>
+  </p:clrMapOvr>
+</p:sld>
+</file>
+
+<file path=ppt/slides/slide2.xml><?xml version="1.0" encoding="utf-8"?>
+<p:sld xmlns:a="http://schemas.openxmlformats.org/drawingml/2006/main" xmlns:r="http://schemas.openxmlformats.org/officeDocument/2006/relationships" xmlns:p="http://schemas.openxmlformats.org/presentationml/2006/main">
+  <p:cSld>
+    <p:bg>
+      <p:bgPr>
+        <a:solidFill>
+          <a:schemeClr val="bg1">
+            <a:lumMod val="50000"/>
+          </a:schemeClr>
+        </a:solidFill>
+        <a:effectLst/>
+      </p:bgPr>
+    </p:bg>
+    <p:spTree>
+      <p:nvGrpSpPr>
+        <p:cNvPr id="1" name=""/>
+        <p:cNvGrpSpPr/>
+        <p:nvPr/>
+      </p:nvGrpSpPr>
+      <p:grpSpPr>
+        <a:xfrm>
+          <a:off x="0" y="0"/>
+          <a:ext cx="0" cy="0"/>
+          <a:chOff x="0" y="0"/>
+          <a:chExt cx="0" cy="0"/>
+        </a:xfrm>
+      </p:grpSpPr>
+    </p:spTree>
+    <p:extLst>
+      <p:ext uri="{BB962C8B-B14F-4D97-AF65-F5344CB8AC3E}">
+        <p14:creationId xmlns:p14="http://schemas.microsoft.com/office/powerpoint/2010/main" val="1235711964"/>
       </p:ext>
     </p:extLst>
   </p:cSld>

--- a/Pictures/Band Website.pptx
+++ b/Pictures/Band Website.pptx
@@ -294,7 +294,7 @@
           <a:p>
             <a:fld id="{D44B86A7-3DC6-1649-841F-B928D74E3ADB}" type="datetimeFigureOut">
               <a:rPr lang="en-US" smtClean="0"/>
-              <a:t>8/3/14</a:t>
+              <a:t>8/27/14</a:t>
             </a:fld>
             <a:endParaRPr lang="en-US"/>
           </a:p>
@@ -464,7 +464,7 @@
           <a:p>
             <a:fld id="{D44B86A7-3DC6-1649-841F-B928D74E3ADB}" type="datetimeFigureOut">
               <a:rPr lang="en-US" smtClean="0"/>
-              <a:t>8/3/14</a:t>
+              <a:t>8/27/14</a:t>
             </a:fld>
             <a:endParaRPr lang="en-US"/>
           </a:p>
@@ -644,7 +644,7 @@
           <a:p>
             <a:fld id="{D44B86A7-3DC6-1649-841F-B928D74E3ADB}" type="datetimeFigureOut">
               <a:rPr lang="en-US" smtClean="0"/>
-              <a:t>8/3/14</a:t>
+              <a:t>8/27/14</a:t>
             </a:fld>
             <a:endParaRPr lang="en-US"/>
           </a:p>
@@ -814,7 +814,7 @@
           <a:p>
             <a:fld id="{D44B86A7-3DC6-1649-841F-B928D74E3ADB}" type="datetimeFigureOut">
               <a:rPr lang="en-US" smtClean="0"/>
-              <a:t>8/3/14</a:t>
+              <a:t>8/27/14</a:t>
             </a:fld>
             <a:endParaRPr lang="en-US"/>
           </a:p>
@@ -1060,7 +1060,7 @@
           <a:p>
             <a:fld id="{D44B86A7-3DC6-1649-841F-B928D74E3ADB}" type="datetimeFigureOut">
               <a:rPr lang="en-US" smtClean="0"/>
-              <a:t>8/3/14</a:t>
+              <a:t>8/27/14</a:t>
             </a:fld>
             <a:endParaRPr lang="en-US"/>
           </a:p>
@@ -1348,7 +1348,7 @@
           <a:p>
             <a:fld id="{D44B86A7-3DC6-1649-841F-B928D74E3ADB}" type="datetimeFigureOut">
               <a:rPr lang="en-US" smtClean="0"/>
-              <a:t>8/3/14</a:t>
+              <a:t>8/27/14</a:t>
             </a:fld>
             <a:endParaRPr lang="en-US"/>
           </a:p>
@@ -1770,7 +1770,7 @@
           <a:p>
             <a:fld id="{D44B86A7-3DC6-1649-841F-B928D74E3ADB}" type="datetimeFigureOut">
               <a:rPr lang="en-US" smtClean="0"/>
-              <a:t>8/3/14</a:t>
+              <a:t>8/27/14</a:t>
             </a:fld>
             <a:endParaRPr lang="en-US"/>
           </a:p>
@@ -1888,7 +1888,7 @@
           <a:p>
             <a:fld id="{D44B86A7-3DC6-1649-841F-B928D74E3ADB}" type="datetimeFigureOut">
               <a:rPr lang="en-US" smtClean="0"/>
-              <a:t>8/3/14</a:t>
+              <a:t>8/27/14</a:t>
             </a:fld>
             <a:endParaRPr lang="en-US"/>
           </a:p>
@@ -1983,7 +1983,7 @@
           <a:p>
             <a:fld id="{D44B86A7-3DC6-1649-841F-B928D74E3ADB}" type="datetimeFigureOut">
               <a:rPr lang="en-US" smtClean="0"/>
-              <a:t>8/3/14</a:t>
+              <a:t>8/27/14</a:t>
             </a:fld>
             <a:endParaRPr lang="en-US"/>
           </a:p>
@@ -2260,7 +2260,7 @@
           <a:p>
             <a:fld id="{D44B86A7-3DC6-1649-841F-B928D74E3ADB}" type="datetimeFigureOut">
               <a:rPr lang="en-US" smtClean="0"/>
-              <a:t>8/3/14</a:t>
+              <a:t>8/27/14</a:t>
             </a:fld>
             <a:endParaRPr lang="en-US"/>
           </a:p>
@@ -2513,7 +2513,7 @@
           <a:p>
             <a:fld id="{D44B86A7-3DC6-1649-841F-B928D74E3ADB}" type="datetimeFigureOut">
               <a:rPr lang="en-US" smtClean="0"/>
-              <a:t>8/3/14</a:t>
+              <a:t>8/27/14</a:t>
             </a:fld>
             <a:endParaRPr lang="en-US"/>
           </a:p>
@@ -2726,7 +2726,7 @@
           <a:p>
             <a:fld id="{D44B86A7-3DC6-1649-841F-B928D74E3ADB}" type="datetimeFigureOut">
               <a:rPr lang="en-US" smtClean="0"/>
-              <a:t>8/3/14</a:t>
+              <a:t>8/27/14</a:t>
             </a:fld>
             <a:endParaRPr lang="en-US"/>
           </a:p>
@@ -3101,6 +3101,66 @@
           <a:chExt cx="0" cy="0"/>
         </a:xfrm>
       </p:grpSpPr>
+      <p:sp>
+        <p:nvSpPr>
+          <p:cNvPr id="2" name="Rectangle 1"/>
+          <p:cNvSpPr>
+            <a:spLocks noChangeAspect="1"/>
+          </p:cNvSpPr>
+          <p:nvPr/>
+        </p:nvSpPr>
+        <p:spPr>
+          <a:xfrm>
+            <a:off x="1338988" y="774068"/>
+            <a:ext cx="4572000" cy="4572000"/>
+          </a:xfrm>
+          <a:prstGeom prst="rect">
+            <a:avLst/>
+          </a:prstGeom>
+          <a:gradFill flip="none" rotWithShape="1">
+            <a:gsLst>
+              <a:gs pos="27000">
+                <a:srgbClr val="3366FF"/>
+              </a:gs>
+              <a:gs pos="88000">
+                <a:srgbClr val="0000FF"/>
+              </a:gs>
+            </a:gsLst>
+            <a:path path="circle">
+              <a:fillToRect l="50000" t="50000" r="50000" b="50000"/>
+            </a:path>
+            <a:tileRect/>
+          </a:gradFill>
+          <a:ln>
+            <a:solidFill>
+              <a:srgbClr val="0000FF"/>
+            </a:solidFill>
+          </a:ln>
+          <a:effectLst/>
+        </p:spPr>
+        <p:style>
+          <a:lnRef idx="1">
+            <a:schemeClr val="accent1"/>
+          </a:lnRef>
+          <a:fillRef idx="3">
+            <a:schemeClr val="accent1"/>
+          </a:fillRef>
+          <a:effectRef idx="2">
+            <a:schemeClr val="accent1"/>
+          </a:effectRef>
+          <a:fontRef idx="minor">
+            <a:schemeClr val="lt1"/>
+          </a:fontRef>
+        </p:style>
+        <p:txBody>
+          <a:bodyPr rtlCol="0" anchor="ctr"/>
+          <a:lstStyle/>
+          <a:p>
+            <a:pPr algn="ctr"/>
+            <a:endParaRPr lang="en-US"/>
+          </a:p>
+        </p:txBody>
+      </p:sp>
     </p:spTree>
     <p:extLst>
       <p:ext uri="{BB962C8B-B14F-4D97-AF65-F5344CB8AC3E}">

--- a/Pictures/Band Website.pptx
+++ b/Pictures/Band Website.pptx
@@ -3117,20 +3117,9 @@
           <a:prstGeom prst="rect">
             <a:avLst/>
           </a:prstGeom>
-          <a:gradFill flip="none" rotWithShape="1">
-            <a:gsLst>
-              <a:gs pos="27000">
-                <a:srgbClr val="3366FF"/>
-              </a:gs>
-              <a:gs pos="88000">
-                <a:srgbClr val="0000FF"/>
-              </a:gs>
-            </a:gsLst>
-            <a:path path="circle">
-              <a:fillToRect l="50000" t="50000" r="50000" b="50000"/>
-            </a:path>
-            <a:tileRect/>
-          </a:gradFill>
+          <a:solidFill>
+            <a:srgbClr val="0000FF"/>
+          </a:solidFill>
           <a:ln>
             <a:solidFill>
               <a:srgbClr val="0000FF"/>
@@ -3158,6 +3147,550 @@
           <a:p>
             <a:pPr algn="ctr"/>
             <a:endParaRPr lang="en-US"/>
+          </a:p>
+        </p:txBody>
+      </p:sp>
+      <p:sp>
+        <p:nvSpPr>
+          <p:cNvPr id="4" name="Diagonal Stripe 3"/>
+          <p:cNvSpPr>
+            <a:spLocks noChangeAspect="1"/>
+          </p:cNvSpPr>
+          <p:nvPr/>
+        </p:nvSpPr>
+        <p:spPr>
+          <a:xfrm>
+            <a:off x="1338988" y="774068"/>
+            <a:ext cx="914400" cy="914400"/>
+          </a:xfrm>
+          <a:prstGeom prst="diagStripe">
+            <a:avLst/>
+          </a:prstGeom>
+          <a:solidFill>
+            <a:srgbClr val="3366FF"/>
+          </a:solidFill>
+          <a:ln>
+            <a:solidFill>
+              <a:srgbClr val="3366FF"/>
+            </a:solidFill>
+          </a:ln>
+          <a:effectLst/>
+        </p:spPr>
+        <p:style>
+          <a:lnRef idx="1">
+            <a:schemeClr val="accent1"/>
+          </a:lnRef>
+          <a:fillRef idx="3">
+            <a:schemeClr val="accent1"/>
+          </a:fillRef>
+          <a:effectRef idx="2">
+            <a:schemeClr val="accent1"/>
+          </a:effectRef>
+          <a:fontRef idx="minor">
+            <a:schemeClr val="lt1"/>
+          </a:fontRef>
+        </p:style>
+        <p:txBody>
+          <a:bodyPr rtlCol="0" anchor="ctr"/>
+          <a:lstStyle/>
+          <a:p>
+            <a:pPr algn="ctr"/>
+            <a:endParaRPr lang="en-US">
+              <a:solidFill>
+                <a:schemeClr val="tx1"/>
+              </a:solidFill>
+            </a:endParaRPr>
+          </a:p>
+        </p:txBody>
+      </p:sp>
+      <p:sp>
+        <p:nvSpPr>
+          <p:cNvPr id="5" name="Diagonal Stripe 4"/>
+          <p:cNvSpPr/>
+          <p:nvPr/>
+        </p:nvSpPr>
+        <p:spPr>
+          <a:xfrm>
+            <a:off x="1338988" y="773205"/>
+            <a:ext cx="1832837" cy="1832837"/>
+          </a:xfrm>
+          <a:prstGeom prst="diagStripe">
+            <a:avLst>
+              <a:gd name="adj" fmla="val 75654"/>
+            </a:avLst>
+          </a:prstGeom>
+          <a:solidFill>
+            <a:srgbClr val="3366FF"/>
+          </a:solidFill>
+          <a:ln>
+            <a:solidFill>
+              <a:srgbClr val="3366FF"/>
+            </a:solidFill>
+          </a:ln>
+          <a:effectLst/>
+        </p:spPr>
+        <p:style>
+          <a:lnRef idx="1">
+            <a:schemeClr val="accent1"/>
+          </a:lnRef>
+          <a:fillRef idx="3">
+            <a:schemeClr val="accent1"/>
+          </a:fillRef>
+          <a:effectRef idx="2">
+            <a:schemeClr val="accent1"/>
+          </a:effectRef>
+          <a:fontRef idx="minor">
+            <a:schemeClr val="lt1"/>
+          </a:fontRef>
+        </p:style>
+        <p:txBody>
+          <a:bodyPr rtlCol="0" anchor="ctr"/>
+          <a:lstStyle/>
+          <a:p>
+            <a:pPr algn="ctr"/>
+            <a:endParaRPr lang="en-US">
+              <a:solidFill>
+                <a:schemeClr val="tx1"/>
+              </a:solidFill>
+            </a:endParaRPr>
+          </a:p>
+        </p:txBody>
+      </p:sp>
+      <p:sp>
+        <p:nvSpPr>
+          <p:cNvPr id="11" name="Diagonal Stripe 10"/>
+          <p:cNvSpPr/>
+          <p:nvPr/>
+        </p:nvSpPr>
+        <p:spPr>
+          <a:xfrm>
+            <a:off x="1338988" y="774069"/>
+            <a:ext cx="2743200" cy="2743200"/>
+          </a:xfrm>
+          <a:prstGeom prst="diagStripe">
+            <a:avLst>
+              <a:gd name="adj" fmla="val 83293"/>
+            </a:avLst>
+          </a:prstGeom>
+          <a:solidFill>
+            <a:srgbClr val="3366FF"/>
+          </a:solidFill>
+          <a:ln>
+            <a:solidFill>
+              <a:srgbClr val="3366FF"/>
+            </a:solidFill>
+          </a:ln>
+          <a:effectLst/>
+        </p:spPr>
+        <p:style>
+          <a:lnRef idx="1">
+            <a:schemeClr val="accent1"/>
+          </a:lnRef>
+          <a:fillRef idx="3">
+            <a:schemeClr val="accent1"/>
+          </a:fillRef>
+          <a:effectRef idx="2">
+            <a:schemeClr val="accent1"/>
+          </a:effectRef>
+          <a:fontRef idx="minor">
+            <a:schemeClr val="lt1"/>
+          </a:fontRef>
+        </p:style>
+        <p:txBody>
+          <a:bodyPr rtlCol="0" anchor="ctr"/>
+          <a:lstStyle/>
+          <a:p>
+            <a:pPr algn="ctr"/>
+            <a:endParaRPr lang="en-US">
+              <a:solidFill>
+                <a:schemeClr val="tx1"/>
+              </a:solidFill>
+            </a:endParaRPr>
+          </a:p>
+        </p:txBody>
+      </p:sp>
+      <p:sp>
+        <p:nvSpPr>
+          <p:cNvPr id="12" name="Diagonal Stripe 11"/>
+          <p:cNvSpPr>
+            <a:spLocks noChangeAspect="1"/>
+          </p:cNvSpPr>
+          <p:nvPr/>
+        </p:nvSpPr>
+        <p:spPr>
+          <a:xfrm>
+            <a:off x="1339850" y="774069"/>
+            <a:ext cx="3657600" cy="3657600"/>
+          </a:xfrm>
+          <a:prstGeom prst="diagStripe">
+            <a:avLst>
+              <a:gd name="adj" fmla="val 87546"/>
+            </a:avLst>
+          </a:prstGeom>
+          <a:solidFill>
+            <a:srgbClr val="3366FF"/>
+          </a:solidFill>
+          <a:ln>
+            <a:solidFill>
+              <a:srgbClr val="3366FF"/>
+            </a:solidFill>
+          </a:ln>
+          <a:effectLst/>
+        </p:spPr>
+        <p:style>
+          <a:lnRef idx="1">
+            <a:schemeClr val="accent1"/>
+          </a:lnRef>
+          <a:fillRef idx="3">
+            <a:schemeClr val="accent1"/>
+          </a:fillRef>
+          <a:effectRef idx="2">
+            <a:schemeClr val="accent1"/>
+          </a:effectRef>
+          <a:fontRef idx="minor">
+            <a:schemeClr val="lt1"/>
+          </a:fontRef>
+        </p:style>
+        <p:txBody>
+          <a:bodyPr rtlCol="0" anchor="ctr"/>
+          <a:lstStyle/>
+          <a:p>
+            <a:pPr algn="ctr"/>
+            <a:endParaRPr lang="en-US">
+              <a:solidFill>
+                <a:schemeClr val="tx1"/>
+              </a:solidFill>
+            </a:endParaRPr>
+          </a:p>
+        </p:txBody>
+      </p:sp>
+      <p:sp>
+        <p:nvSpPr>
+          <p:cNvPr id="13" name="Diagonal Stripe 12"/>
+          <p:cNvSpPr>
+            <a:spLocks noChangeAspect="1"/>
+          </p:cNvSpPr>
+          <p:nvPr/>
+        </p:nvSpPr>
+        <p:spPr>
+          <a:xfrm>
+            <a:off x="1338988" y="774069"/>
+            <a:ext cx="4572000" cy="4572000"/>
+          </a:xfrm>
+          <a:prstGeom prst="diagStripe">
+            <a:avLst>
+              <a:gd name="adj" fmla="val 89977"/>
+            </a:avLst>
+          </a:prstGeom>
+          <a:solidFill>
+            <a:srgbClr val="3366FF"/>
+          </a:solidFill>
+          <a:ln>
+            <a:solidFill>
+              <a:srgbClr val="3366FF"/>
+            </a:solidFill>
+          </a:ln>
+          <a:effectLst/>
+        </p:spPr>
+        <p:style>
+          <a:lnRef idx="1">
+            <a:schemeClr val="accent1"/>
+          </a:lnRef>
+          <a:fillRef idx="3">
+            <a:schemeClr val="accent1"/>
+          </a:fillRef>
+          <a:effectRef idx="2">
+            <a:schemeClr val="accent1"/>
+          </a:effectRef>
+          <a:fontRef idx="minor">
+            <a:schemeClr val="lt1"/>
+          </a:fontRef>
+        </p:style>
+        <p:txBody>
+          <a:bodyPr rtlCol="0" anchor="ctr"/>
+          <a:lstStyle/>
+          <a:p>
+            <a:pPr algn="ctr"/>
+            <a:endParaRPr lang="en-US">
+              <a:solidFill>
+                <a:schemeClr val="tx1"/>
+              </a:solidFill>
+            </a:endParaRPr>
+          </a:p>
+        </p:txBody>
+      </p:sp>
+      <p:sp>
+        <p:nvSpPr>
+          <p:cNvPr id="14" name="Diagonal Stripe 13"/>
+          <p:cNvSpPr>
+            <a:spLocks noChangeAspect="1"/>
+          </p:cNvSpPr>
+          <p:nvPr/>
+        </p:nvSpPr>
+        <p:spPr>
+          <a:xfrm rot="10800000">
+            <a:off x="1796188" y="1231269"/>
+            <a:ext cx="4114800" cy="4114800"/>
+          </a:xfrm>
+          <a:prstGeom prst="diagStripe">
+            <a:avLst>
+              <a:gd name="adj" fmla="val 88974"/>
+            </a:avLst>
+          </a:prstGeom>
+          <a:solidFill>
+            <a:srgbClr val="3366FF"/>
+          </a:solidFill>
+          <a:ln>
+            <a:solidFill>
+              <a:srgbClr val="3366FF"/>
+            </a:solidFill>
+          </a:ln>
+          <a:effectLst/>
+        </p:spPr>
+        <p:style>
+          <a:lnRef idx="1">
+            <a:schemeClr val="accent1"/>
+          </a:lnRef>
+          <a:fillRef idx="3">
+            <a:schemeClr val="accent1"/>
+          </a:fillRef>
+          <a:effectRef idx="2">
+            <a:schemeClr val="accent1"/>
+          </a:effectRef>
+          <a:fontRef idx="minor">
+            <a:schemeClr val="lt1"/>
+          </a:fontRef>
+        </p:style>
+        <p:txBody>
+          <a:bodyPr rtlCol="0" anchor="ctr"/>
+          <a:lstStyle/>
+          <a:p>
+            <a:pPr algn="ctr"/>
+            <a:endParaRPr lang="en-US">
+              <a:solidFill>
+                <a:schemeClr val="tx1"/>
+              </a:solidFill>
+            </a:endParaRPr>
+          </a:p>
+        </p:txBody>
+      </p:sp>
+      <p:sp>
+        <p:nvSpPr>
+          <p:cNvPr id="16" name="Diagonal Stripe 15"/>
+          <p:cNvSpPr>
+            <a:spLocks noChangeAspect="1"/>
+          </p:cNvSpPr>
+          <p:nvPr/>
+        </p:nvSpPr>
+        <p:spPr>
+          <a:xfrm rot="10800000">
+            <a:off x="2710588" y="2145668"/>
+            <a:ext cx="3200400" cy="3200400"/>
+          </a:xfrm>
+          <a:prstGeom prst="diagStripe">
+            <a:avLst>
+              <a:gd name="adj" fmla="val 85899"/>
+            </a:avLst>
+          </a:prstGeom>
+          <a:solidFill>
+            <a:srgbClr val="3366FF"/>
+          </a:solidFill>
+          <a:ln>
+            <a:solidFill>
+              <a:srgbClr val="3366FF"/>
+            </a:solidFill>
+          </a:ln>
+          <a:effectLst/>
+        </p:spPr>
+        <p:style>
+          <a:lnRef idx="1">
+            <a:schemeClr val="accent1"/>
+          </a:lnRef>
+          <a:fillRef idx="3">
+            <a:schemeClr val="accent1"/>
+          </a:fillRef>
+          <a:effectRef idx="2">
+            <a:schemeClr val="accent1"/>
+          </a:effectRef>
+          <a:fontRef idx="minor">
+            <a:schemeClr val="lt1"/>
+          </a:fontRef>
+        </p:style>
+        <p:txBody>
+          <a:bodyPr rtlCol="0" anchor="ctr"/>
+          <a:lstStyle/>
+          <a:p>
+            <a:pPr algn="ctr"/>
+            <a:endParaRPr lang="en-US">
+              <a:solidFill>
+                <a:schemeClr val="tx1"/>
+              </a:solidFill>
+            </a:endParaRPr>
+          </a:p>
+        </p:txBody>
+      </p:sp>
+      <p:sp>
+        <p:nvSpPr>
+          <p:cNvPr id="17" name="Diagonal Stripe 16"/>
+          <p:cNvSpPr>
+            <a:spLocks noChangeAspect="1"/>
+          </p:cNvSpPr>
+          <p:nvPr/>
+        </p:nvSpPr>
+        <p:spPr>
+          <a:xfrm rot="10800000">
+            <a:off x="3624988" y="3060068"/>
+            <a:ext cx="2286000" cy="2286000"/>
+          </a:xfrm>
+          <a:prstGeom prst="diagStripe">
+            <a:avLst>
+              <a:gd name="adj" fmla="val 80205"/>
+            </a:avLst>
+          </a:prstGeom>
+          <a:solidFill>
+            <a:srgbClr val="3366FF"/>
+          </a:solidFill>
+          <a:ln>
+            <a:solidFill>
+              <a:srgbClr val="3366FF"/>
+            </a:solidFill>
+          </a:ln>
+          <a:effectLst/>
+        </p:spPr>
+        <p:style>
+          <a:lnRef idx="1">
+            <a:schemeClr val="accent1"/>
+          </a:lnRef>
+          <a:fillRef idx="3">
+            <a:schemeClr val="accent1"/>
+          </a:fillRef>
+          <a:effectRef idx="2">
+            <a:schemeClr val="accent1"/>
+          </a:effectRef>
+          <a:fontRef idx="minor">
+            <a:schemeClr val="lt1"/>
+          </a:fontRef>
+        </p:style>
+        <p:txBody>
+          <a:bodyPr rtlCol="0" anchor="ctr"/>
+          <a:lstStyle/>
+          <a:p>
+            <a:pPr algn="ctr"/>
+            <a:endParaRPr lang="en-US">
+              <a:solidFill>
+                <a:schemeClr val="tx1"/>
+              </a:solidFill>
+            </a:endParaRPr>
+          </a:p>
+        </p:txBody>
+      </p:sp>
+      <p:sp>
+        <p:nvSpPr>
+          <p:cNvPr id="18" name="Diagonal Stripe 17"/>
+          <p:cNvSpPr>
+            <a:spLocks noChangeAspect="1"/>
+          </p:cNvSpPr>
+          <p:nvPr/>
+        </p:nvSpPr>
+        <p:spPr>
+          <a:xfrm rot="10800000">
+            <a:off x="4539388" y="3974470"/>
+            <a:ext cx="1371600" cy="1371600"/>
+          </a:xfrm>
+          <a:prstGeom prst="diagStripe">
+            <a:avLst>
+              <a:gd name="adj" fmla="val 66085"/>
+            </a:avLst>
+          </a:prstGeom>
+          <a:solidFill>
+            <a:srgbClr val="3366FF"/>
+          </a:solidFill>
+          <a:ln>
+            <a:solidFill>
+              <a:srgbClr val="3366FF"/>
+            </a:solidFill>
+          </a:ln>
+          <a:effectLst/>
+        </p:spPr>
+        <p:style>
+          <a:lnRef idx="1">
+            <a:schemeClr val="accent1"/>
+          </a:lnRef>
+          <a:fillRef idx="3">
+            <a:schemeClr val="accent1"/>
+          </a:fillRef>
+          <a:effectRef idx="2">
+            <a:schemeClr val="accent1"/>
+          </a:effectRef>
+          <a:fontRef idx="minor">
+            <a:schemeClr val="lt1"/>
+          </a:fontRef>
+        </p:style>
+        <p:txBody>
+          <a:bodyPr rtlCol="0" anchor="ctr"/>
+          <a:lstStyle/>
+          <a:p>
+            <a:pPr algn="ctr"/>
+            <a:endParaRPr lang="en-US">
+              <a:solidFill>
+                <a:schemeClr val="tx1"/>
+              </a:solidFill>
+            </a:endParaRPr>
+          </a:p>
+        </p:txBody>
+      </p:sp>
+      <p:sp>
+        <p:nvSpPr>
+          <p:cNvPr id="19" name="Diagonal Stripe 18"/>
+          <p:cNvSpPr>
+            <a:spLocks noChangeAspect="1"/>
+          </p:cNvSpPr>
+          <p:nvPr/>
+        </p:nvSpPr>
+        <p:spPr>
+          <a:xfrm rot="10800000">
+            <a:off x="5453788" y="4888868"/>
+            <a:ext cx="457200" cy="457200"/>
+          </a:xfrm>
+          <a:prstGeom prst="diagStripe">
+            <a:avLst>
+              <a:gd name="adj" fmla="val 0"/>
+            </a:avLst>
+          </a:prstGeom>
+          <a:solidFill>
+            <a:srgbClr val="3366FF"/>
+          </a:solidFill>
+          <a:ln>
+            <a:solidFill>
+              <a:srgbClr val="3366FF"/>
+            </a:solidFill>
+          </a:ln>
+          <a:effectLst/>
+        </p:spPr>
+        <p:style>
+          <a:lnRef idx="1">
+            <a:schemeClr val="accent1"/>
+          </a:lnRef>
+          <a:fillRef idx="3">
+            <a:schemeClr val="accent1"/>
+          </a:fillRef>
+          <a:effectRef idx="2">
+            <a:schemeClr val="accent1"/>
+          </a:effectRef>
+          <a:fontRef idx="minor">
+            <a:schemeClr val="lt1"/>
+          </a:fontRef>
+        </p:style>
+        <p:txBody>
+          <a:bodyPr rtlCol="0" anchor="ctr"/>
+          <a:lstStyle/>
+          <a:p>
+            <a:pPr algn="ctr"/>
+            <a:endParaRPr lang="en-US">
+              <a:solidFill>
+                <a:schemeClr val="tx1"/>
+              </a:solidFill>
+            </a:endParaRPr>
           </a:p>
         </p:txBody>
       </p:sp>

--- a/Pictures/Band Website.pptx
+++ b/Pictures/Band Website.pptx
@@ -7,11 +7,13 @@
   <p:sldIdLst>
     <p:sldId id="256" r:id="rId2"/>
     <p:sldId id="258" r:id="rId3"/>
-    <p:sldId id="259" r:id="rId4"/>
-    <p:sldId id="262" r:id="rId5"/>
-    <p:sldId id="263" r:id="rId6"/>
-    <p:sldId id="260" r:id="rId7"/>
-    <p:sldId id="261" r:id="rId8"/>
+    <p:sldId id="265" r:id="rId4"/>
+    <p:sldId id="266" r:id="rId5"/>
+    <p:sldId id="259" r:id="rId6"/>
+    <p:sldId id="262" r:id="rId7"/>
+    <p:sldId id="263" r:id="rId8"/>
+    <p:sldId id="260" r:id="rId9"/>
+    <p:sldId id="261" r:id="rId10"/>
   </p:sldIdLst>
   <p:sldSz cx="9144000" cy="5668963"/>
   <p:notesSz cx="6858000" cy="9144000"/>
@@ -294,7 +296,7 @@
           <a:p>
             <a:fld id="{D44B86A7-3DC6-1649-841F-B928D74E3ADB}" type="datetimeFigureOut">
               <a:rPr lang="en-US" smtClean="0"/>
-              <a:t>8/27/14</a:t>
+              <a:t>11/28/14</a:t>
             </a:fld>
             <a:endParaRPr lang="en-US"/>
           </a:p>
@@ -464,7 +466,7 @@
           <a:p>
             <a:fld id="{D44B86A7-3DC6-1649-841F-B928D74E3ADB}" type="datetimeFigureOut">
               <a:rPr lang="en-US" smtClean="0"/>
-              <a:t>8/27/14</a:t>
+              <a:t>11/28/14</a:t>
             </a:fld>
             <a:endParaRPr lang="en-US"/>
           </a:p>
@@ -644,7 +646,7 @@
           <a:p>
             <a:fld id="{D44B86A7-3DC6-1649-841F-B928D74E3ADB}" type="datetimeFigureOut">
               <a:rPr lang="en-US" smtClean="0"/>
-              <a:t>8/27/14</a:t>
+              <a:t>11/28/14</a:t>
             </a:fld>
             <a:endParaRPr lang="en-US"/>
           </a:p>
@@ -814,7 +816,7 @@
           <a:p>
             <a:fld id="{D44B86A7-3DC6-1649-841F-B928D74E3ADB}" type="datetimeFigureOut">
               <a:rPr lang="en-US" smtClean="0"/>
-              <a:t>8/27/14</a:t>
+              <a:t>11/28/14</a:t>
             </a:fld>
             <a:endParaRPr lang="en-US"/>
           </a:p>
@@ -1060,7 +1062,7 @@
           <a:p>
             <a:fld id="{D44B86A7-3DC6-1649-841F-B928D74E3ADB}" type="datetimeFigureOut">
               <a:rPr lang="en-US" smtClean="0"/>
-              <a:t>8/27/14</a:t>
+              <a:t>11/28/14</a:t>
             </a:fld>
             <a:endParaRPr lang="en-US"/>
           </a:p>
@@ -1348,7 +1350,7 @@
           <a:p>
             <a:fld id="{D44B86A7-3DC6-1649-841F-B928D74E3ADB}" type="datetimeFigureOut">
               <a:rPr lang="en-US" smtClean="0"/>
-              <a:t>8/27/14</a:t>
+              <a:t>11/28/14</a:t>
             </a:fld>
             <a:endParaRPr lang="en-US"/>
           </a:p>
@@ -1770,7 +1772,7 @@
           <a:p>
             <a:fld id="{D44B86A7-3DC6-1649-841F-B928D74E3ADB}" type="datetimeFigureOut">
               <a:rPr lang="en-US" smtClean="0"/>
-              <a:t>8/27/14</a:t>
+              <a:t>11/28/14</a:t>
             </a:fld>
             <a:endParaRPr lang="en-US"/>
           </a:p>
@@ -1888,7 +1890,7 @@
           <a:p>
             <a:fld id="{D44B86A7-3DC6-1649-841F-B928D74E3ADB}" type="datetimeFigureOut">
               <a:rPr lang="en-US" smtClean="0"/>
-              <a:t>8/27/14</a:t>
+              <a:t>11/28/14</a:t>
             </a:fld>
             <a:endParaRPr lang="en-US"/>
           </a:p>
@@ -1983,7 +1985,7 @@
           <a:p>
             <a:fld id="{D44B86A7-3DC6-1649-841F-B928D74E3ADB}" type="datetimeFigureOut">
               <a:rPr lang="en-US" smtClean="0"/>
-              <a:t>8/27/14</a:t>
+              <a:t>11/28/14</a:t>
             </a:fld>
             <a:endParaRPr lang="en-US"/>
           </a:p>
@@ -2260,7 +2262,7 @@
           <a:p>
             <a:fld id="{D44B86A7-3DC6-1649-841F-B928D74E3ADB}" type="datetimeFigureOut">
               <a:rPr lang="en-US" smtClean="0"/>
-              <a:t>8/27/14</a:t>
+              <a:t>11/28/14</a:t>
             </a:fld>
             <a:endParaRPr lang="en-US"/>
           </a:p>
@@ -2513,7 +2515,7 @@
           <a:p>
             <a:fld id="{D44B86A7-3DC6-1649-841F-B928D74E3ADB}" type="datetimeFigureOut">
               <a:rPr lang="en-US" smtClean="0"/>
-              <a:t>8/27/14</a:t>
+              <a:t>11/28/14</a:t>
             </a:fld>
             <a:endParaRPr lang="en-US"/>
           </a:p>
@@ -2726,7 +2728,7 @@
           <a:p>
             <a:fld id="{D44B86A7-3DC6-1649-841F-B928D74E3ADB}" type="datetimeFigureOut">
               <a:rPr lang="en-US" smtClean="0"/>
-              <a:t>8/27/14</a:t>
+              <a:t>11/28/14</a:t>
             </a:fld>
             <a:endParaRPr lang="en-US"/>
           </a:p>
@@ -3744,10 +3746,429 @@
   <p:clrMapOvr>
     <a:masterClrMapping/>
   </p:clrMapOvr>
+  <p:timing>
+    <p:tnLst>
+      <p:par>
+        <p:cTn xmlns:p14="http://schemas.microsoft.com/office/powerpoint/2010/main" id="1" dur="indefinite" restart="never" nodeType="tmRoot"/>
+      </p:par>
+    </p:tnLst>
+  </p:timing>
 </p:sld>
 </file>
 
 <file path=ppt/slides/slide3.xml><?xml version="1.0" encoding="utf-8"?>
+<p:sld xmlns:a="http://schemas.openxmlformats.org/drawingml/2006/main" xmlns:r="http://schemas.openxmlformats.org/officeDocument/2006/relationships" xmlns:p="http://schemas.openxmlformats.org/presentationml/2006/main">
+  <p:cSld>
+    <p:spTree>
+      <p:nvGrpSpPr>
+        <p:cNvPr id="1" name=""/>
+        <p:cNvGrpSpPr/>
+        <p:nvPr/>
+      </p:nvGrpSpPr>
+      <p:grpSpPr>
+        <a:xfrm>
+          <a:off x="0" y="0"/>
+          <a:ext cx="0" cy="0"/>
+          <a:chOff x="0" y="0"/>
+          <a:chExt cx="0" cy="0"/>
+        </a:xfrm>
+      </p:grpSpPr>
+      <p:sp>
+        <p:nvSpPr>
+          <p:cNvPr id="21" name="TextBox 20"/>
+          <p:cNvSpPr txBox="1"/>
+          <p:nvPr/>
+        </p:nvSpPr>
+        <p:spPr>
+          <a:xfrm>
+            <a:off x="1420743" y="777063"/>
+            <a:ext cx="6319611" cy="1323439"/>
+          </a:xfrm>
+          <a:prstGeom prst="rect">
+            <a:avLst/>
+          </a:prstGeom>
+          <a:noFill/>
+        </p:spPr>
+        <p:txBody>
+          <a:bodyPr vert="horz" wrap="none" rtlCol="0" anchor="b" anchorCtr="0">
+            <a:spAutoFit/>
+          </a:bodyPr>
+          <a:lstStyle/>
+          <a:p>
+            <a:pPr algn="ctr">
+              <a:lnSpc>
+                <a:spcPct val="80000"/>
+              </a:lnSpc>
+            </a:pPr>
+            <a:r>
+              <a:rPr lang="en-US" sz="9600" i="1" cap="small" spc="140" dirty="0" smtClean="0">
+                <a:latin typeface="Haettenschweiler"/>
+                <a:cs typeface="Haettenschweiler"/>
+              </a:rPr>
+              <a:t>El </a:t>
+            </a:r>
+            <a:r>
+              <a:rPr lang="en-US" sz="9600" i="1" cap="small" spc="140" dirty="0">
+                <a:latin typeface="Haettenschweiler"/>
+                <a:cs typeface="Haettenschweiler"/>
+              </a:rPr>
+              <a:t>Segundo </a:t>
+            </a:r>
+            <a:r>
+              <a:rPr lang="en-US" sz="9600" i="1" cap="small" spc="140" dirty="0" smtClean="0">
+                <a:latin typeface="Haettenschweiler"/>
+                <a:cs typeface="Haettenschweiler"/>
+              </a:rPr>
+              <a:t>Band</a:t>
+            </a:r>
+            <a:endParaRPr lang="en-US" sz="9600" i="1" cap="small" spc="140" dirty="0">
+              <a:latin typeface="Haettenschweiler"/>
+              <a:cs typeface="Haettenschweiler"/>
+            </a:endParaRPr>
+          </a:p>
+        </p:txBody>
+      </p:sp>
+      <p:sp>
+        <p:nvSpPr>
+          <p:cNvPr id="2" name="TextBox 1"/>
+          <p:cNvSpPr txBox="1"/>
+          <p:nvPr/>
+        </p:nvSpPr>
+        <p:spPr>
+          <a:xfrm>
+            <a:off x="-1295885" y="1185844"/>
+            <a:ext cx="1295885" cy="369332"/>
+          </a:xfrm>
+          <a:prstGeom prst="rect">
+            <a:avLst/>
+          </a:prstGeom>
+          <a:noFill/>
+        </p:spPr>
+        <p:txBody>
+          <a:bodyPr wrap="none" rtlCol="0">
+            <a:spAutoFit/>
+          </a:bodyPr>
+          <a:lstStyle/>
+          <a:p>
+            <a:r>
+              <a:rPr lang="en-US" dirty="0" smtClean="0"/>
+              <a:t>66.6666666</a:t>
+            </a:r>
+            <a:endParaRPr lang="en-US" dirty="0"/>
+          </a:p>
+        </p:txBody>
+      </p:sp>
+      <p:pic>
+        <p:nvPicPr>
+          <p:cNvPr id="3" name="Picture 2" descr="Band Icon.png"/>
+          <p:cNvPicPr>
+            <a:picLocks noChangeAspect="1"/>
+          </p:cNvPicPr>
+          <p:nvPr/>
+        </p:nvPicPr>
+        <p:blipFill>
+          <a:blip r:embed="rId2">
+            <a:extLst>
+              <a:ext uri="{28A0092B-C50C-407E-A947-70E740481C1C}">
+                <a14:useLocalDpi xmlns:a14="http://schemas.microsoft.com/office/drawing/2010/main" val="0"/>
+              </a:ext>
+            </a:extLst>
+          </a:blip>
+          <a:stretch>
+            <a:fillRect/>
+          </a:stretch>
+        </p:blipFill>
+        <p:spPr>
+          <a:xfrm>
+            <a:off x="7260682" y="2523885"/>
+            <a:ext cx="1883318" cy="2170207"/>
+          </a:xfrm>
+          <a:prstGeom prst="rect">
+            <a:avLst/>
+          </a:prstGeom>
+        </p:spPr>
+      </p:pic>
+      <p:sp>
+        <p:nvSpPr>
+          <p:cNvPr id="8" name="TextBox 7"/>
+          <p:cNvSpPr txBox="1"/>
+          <p:nvPr/>
+        </p:nvSpPr>
+        <p:spPr>
+          <a:xfrm>
+            <a:off x="726523" y="2305918"/>
+            <a:ext cx="6319611" cy="1323439"/>
+          </a:xfrm>
+          <a:prstGeom prst="rect">
+            <a:avLst/>
+          </a:prstGeom>
+          <a:noFill/>
+        </p:spPr>
+        <p:txBody>
+          <a:bodyPr vert="horz" wrap="none" rtlCol="0" anchor="b" anchorCtr="0">
+            <a:spAutoFit/>
+          </a:bodyPr>
+          <a:lstStyle/>
+          <a:p>
+            <a:pPr algn="ctr">
+              <a:lnSpc>
+                <a:spcPct val="80000"/>
+              </a:lnSpc>
+            </a:pPr>
+            <a:r>
+              <a:rPr lang="en-US" sz="9600" i="1" cap="small" spc="140" dirty="0" smtClean="0">
+                <a:ln w="19050" cmpd="sng">
+                  <a:solidFill>
+                    <a:srgbClr val="000000"/>
+                  </a:solidFill>
+                </a:ln>
+                <a:solidFill>
+                  <a:srgbClr val="FFBF00"/>
+                </a:solidFill>
+                <a:latin typeface="Haettenschweiler"/>
+                <a:cs typeface="Haettenschweiler"/>
+              </a:rPr>
+              <a:t>El </a:t>
+            </a:r>
+            <a:r>
+              <a:rPr lang="en-US" sz="9600" i="1" cap="small" spc="140" dirty="0">
+                <a:ln w="19050" cmpd="sng">
+                  <a:solidFill>
+                    <a:srgbClr val="000000"/>
+                  </a:solidFill>
+                </a:ln>
+                <a:solidFill>
+                  <a:srgbClr val="FFBF00"/>
+                </a:solidFill>
+                <a:latin typeface="Haettenschweiler"/>
+                <a:cs typeface="Haettenschweiler"/>
+              </a:rPr>
+              <a:t>Segundo </a:t>
+            </a:r>
+            <a:r>
+              <a:rPr lang="en-US" sz="9600" i="1" cap="small" spc="140" dirty="0" smtClean="0">
+                <a:ln w="19050" cmpd="sng">
+                  <a:solidFill>
+                    <a:srgbClr val="000000"/>
+                  </a:solidFill>
+                </a:ln>
+                <a:solidFill>
+                  <a:srgbClr val="FFBF00"/>
+                </a:solidFill>
+                <a:latin typeface="Haettenschweiler"/>
+                <a:cs typeface="Haettenschweiler"/>
+              </a:rPr>
+              <a:t>Band</a:t>
+            </a:r>
+            <a:endParaRPr lang="en-US" sz="9600" i="1" cap="small" spc="140" dirty="0">
+              <a:ln w="19050" cmpd="sng">
+                <a:solidFill>
+                  <a:srgbClr val="000000"/>
+                </a:solidFill>
+              </a:ln>
+              <a:solidFill>
+                <a:srgbClr val="FFBF00"/>
+              </a:solidFill>
+              <a:latin typeface="Haettenschweiler"/>
+              <a:cs typeface="Haettenschweiler"/>
+            </a:endParaRPr>
+          </a:p>
+        </p:txBody>
+      </p:sp>
+      <p:sp>
+        <p:nvSpPr>
+          <p:cNvPr id="10" name="TextBox 9"/>
+          <p:cNvSpPr txBox="1"/>
+          <p:nvPr/>
+        </p:nvSpPr>
+        <p:spPr>
+          <a:xfrm>
+            <a:off x="889354" y="4151824"/>
+            <a:ext cx="5993949" cy="1323439"/>
+          </a:xfrm>
+          <a:prstGeom prst="rect">
+            <a:avLst/>
+          </a:prstGeom>
+          <a:noFill/>
+        </p:spPr>
+        <p:txBody>
+          <a:bodyPr vert="horz" wrap="none" rtlCol="0" anchor="b" anchorCtr="0">
+            <a:spAutoFit/>
+          </a:bodyPr>
+          <a:lstStyle/>
+          <a:p>
+            <a:pPr algn="ctr">
+              <a:lnSpc>
+                <a:spcPct val="80000"/>
+              </a:lnSpc>
+            </a:pPr>
+            <a:r>
+              <a:rPr lang="en-US" sz="9600" cap="small" spc="140" dirty="0" smtClean="0">
+                <a:ln w="19050" cmpd="sng">
+                  <a:solidFill>
+                    <a:srgbClr val="000000"/>
+                  </a:solidFill>
+                </a:ln>
+                <a:solidFill>
+                  <a:srgbClr val="FFBF00"/>
+                </a:solidFill>
+                <a:latin typeface="Haettenschweiler"/>
+                <a:cs typeface="Haettenschweiler"/>
+              </a:rPr>
+              <a:t>El </a:t>
+            </a:r>
+            <a:r>
+              <a:rPr lang="en-US" sz="9600" cap="small" spc="140" dirty="0">
+                <a:ln w="19050" cmpd="sng">
+                  <a:solidFill>
+                    <a:srgbClr val="000000"/>
+                  </a:solidFill>
+                </a:ln>
+                <a:solidFill>
+                  <a:srgbClr val="FFBF00"/>
+                </a:solidFill>
+                <a:latin typeface="Haettenschweiler"/>
+                <a:cs typeface="Haettenschweiler"/>
+              </a:rPr>
+              <a:t>Segundo </a:t>
+            </a:r>
+            <a:r>
+              <a:rPr lang="en-US" sz="9600" cap="small" spc="140" dirty="0" smtClean="0">
+                <a:ln w="19050" cmpd="sng">
+                  <a:solidFill>
+                    <a:srgbClr val="000000"/>
+                  </a:solidFill>
+                </a:ln>
+                <a:solidFill>
+                  <a:srgbClr val="FFBF00"/>
+                </a:solidFill>
+                <a:latin typeface="Haettenschweiler"/>
+                <a:cs typeface="Haettenschweiler"/>
+              </a:rPr>
+              <a:t>Band</a:t>
+            </a:r>
+            <a:endParaRPr lang="en-US" sz="9600" cap="small" spc="140" dirty="0">
+              <a:ln w="19050" cmpd="sng">
+                <a:solidFill>
+                  <a:srgbClr val="000000"/>
+                </a:solidFill>
+              </a:ln>
+              <a:solidFill>
+                <a:srgbClr val="FFBF00"/>
+              </a:solidFill>
+              <a:latin typeface="Haettenschweiler"/>
+              <a:cs typeface="Haettenschweiler"/>
+            </a:endParaRPr>
+          </a:p>
+        </p:txBody>
+      </p:sp>
+    </p:spTree>
+    <p:extLst>
+      <p:ext uri="{BB962C8B-B14F-4D97-AF65-F5344CB8AC3E}">
+        <p14:creationId xmlns:p14="http://schemas.microsoft.com/office/powerpoint/2010/main" val="1401003030"/>
+      </p:ext>
+    </p:extLst>
+  </p:cSld>
+  <p:clrMapOvr>
+    <a:masterClrMapping/>
+  </p:clrMapOvr>
+  <p:timing>
+    <p:tnLst>
+      <p:par>
+        <p:cTn xmlns:p14="http://schemas.microsoft.com/office/powerpoint/2010/main" id="1" dur="indefinite" restart="never" nodeType="tmRoot"/>
+      </p:par>
+    </p:tnLst>
+  </p:timing>
+</p:sld>
+</file>
+
+<file path=ppt/slides/slide4.xml><?xml version="1.0" encoding="utf-8"?>
+<p:sld xmlns:a="http://schemas.openxmlformats.org/drawingml/2006/main" xmlns:r="http://schemas.openxmlformats.org/officeDocument/2006/relationships" xmlns:p="http://schemas.openxmlformats.org/presentationml/2006/main">
+  <p:cSld>
+    <p:spTree>
+      <p:nvGrpSpPr>
+        <p:cNvPr id="1" name=""/>
+        <p:cNvGrpSpPr/>
+        <p:nvPr/>
+      </p:nvGrpSpPr>
+      <p:grpSpPr>
+        <a:xfrm>
+          <a:off x="0" y="0"/>
+          <a:ext cx="0" cy="0"/>
+          <a:chOff x="0" y="0"/>
+          <a:chExt cx="0" cy="0"/>
+        </a:xfrm>
+      </p:grpSpPr>
+      <p:sp>
+        <p:nvSpPr>
+          <p:cNvPr id="2" name="Rectangle 1"/>
+          <p:cNvSpPr/>
+          <p:nvPr/>
+        </p:nvSpPr>
+        <p:spPr>
+          <a:xfrm>
+            <a:off x="0" y="0"/>
+            <a:ext cx="9144000" cy="5668963"/>
+          </a:xfrm>
+          <a:prstGeom prst="rect">
+            <a:avLst/>
+          </a:prstGeom>
+          <a:gradFill>
+            <a:gsLst>
+              <a:gs pos="74000">
+                <a:srgbClr val="FBFBFB">
+                  <a:alpha val="0"/>
+                </a:srgbClr>
+              </a:gs>
+              <a:gs pos="100000">
+                <a:schemeClr val="bg1">
+                  <a:lumMod val="85000"/>
+                </a:schemeClr>
+              </a:gs>
+            </a:gsLst>
+          </a:gradFill>
+          <a:ln>
+            <a:noFill/>
+          </a:ln>
+          <a:effectLst/>
+        </p:spPr>
+        <p:style>
+          <a:lnRef idx="1">
+            <a:schemeClr val="accent1"/>
+          </a:lnRef>
+          <a:fillRef idx="3">
+            <a:schemeClr val="accent1"/>
+          </a:fillRef>
+          <a:effectRef idx="2">
+            <a:schemeClr val="accent1"/>
+          </a:effectRef>
+          <a:fontRef idx="minor">
+            <a:schemeClr val="lt1"/>
+          </a:fontRef>
+        </p:style>
+        <p:txBody>
+          <a:bodyPr rtlCol="0" anchor="ctr"/>
+          <a:lstStyle/>
+          <a:p>
+            <a:pPr algn="ctr"/>
+            <a:endParaRPr lang="en-US"/>
+          </a:p>
+        </p:txBody>
+      </p:sp>
+    </p:spTree>
+    <p:extLst>
+      <p:ext uri="{BB962C8B-B14F-4D97-AF65-F5344CB8AC3E}">
+        <p14:creationId xmlns:p14="http://schemas.microsoft.com/office/powerpoint/2010/main" val="4199999312"/>
+      </p:ext>
+    </p:extLst>
+  </p:cSld>
+  <p:clrMapOvr>
+    <a:masterClrMapping/>
+  </p:clrMapOvr>
+</p:sld>
+</file>
+
+<file path=ppt/slides/slide5.xml><?xml version="1.0" encoding="utf-8"?>
 <p:sld xmlns:a="http://schemas.openxmlformats.org/drawingml/2006/main" xmlns:r="http://schemas.openxmlformats.org/officeDocument/2006/relationships" xmlns:p="http://schemas.openxmlformats.org/presentationml/2006/main">
   <p:cSld>
     <p:spTree>
@@ -4052,7 +4473,7 @@
 </p:sld>
 </file>
 
-<file path=ppt/slides/slide4.xml><?xml version="1.0" encoding="utf-8"?>
+<file path=ppt/slides/slide6.xml><?xml version="1.0" encoding="utf-8"?>
 <p:sld xmlns:a="http://schemas.openxmlformats.org/drawingml/2006/main" xmlns:r="http://schemas.openxmlformats.org/officeDocument/2006/relationships" xmlns:p="http://schemas.openxmlformats.org/presentationml/2006/main">
   <p:cSld>
     <p:spTree>
@@ -4213,7 +4634,7 @@
 </p:sld>
 </file>
 
-<file path=ppt/slides/slide5.xml><?xml version="1.0" encoding="utf-8"?>
+<file path=ppt/slides/slide7.xml><?xml version="1.0" encoding="utf-8"?>
 <p:sld xmlns:a="http://schemas.openxmlformats.org/drawingml/2006/main" xmlns:r="http://schemas.openxmlformats.org/officeDocument/2006/relationships" xmlns:p="http://schemas.openxmlformats.org/presentationml/2006/main">
   <p:cSld>
     <p:spTree>
@@ -4286,7 +4707,7 @@
 </p:sld>
 </file>
 
-<file path=ppt/slides/slide6.xml><?xml version="1.0" encoding="utf-8"?>
+<file path=ppt/slides/slide8.xml><?xml version="1.0" encoding="utf-8"?>
 <p:sld xmlns:a="http://schemas.openxmlformats.org/drawingml/2006/main" xmlns:r="http://schemas.openxmlformats.org/officeDocument/2006/relationships" xmlns:p="http://schemas.openxmlformats.org/presentationml/2006/main">
   <p:cSld>
     <p:spTree>
@@ -4777,7 +5198,7 @@
 </p:sld>
 </file>
 
-<file path=ppt/slides/slide7.xml><?xml version="1.0" encoding="utf-8"?>
+<file path=ppt/slides/slide9.xml><?xml version="1.0" encoding="utf-8"?>
 <p:sld xmlns:a="http://schemas.openxmlformats.org/drawingml/2006/main" xmlns:r="http://schemas.openxmlformats.org/officeDocument/2006/relationships" xmlns:p="http://schemas.openxmlformats.org/presentationml/2006/main">
   <p:cSld>
     <p:spTree>
